--- a/WebAssembly Lightening Talk/webAssembly Talk v8.pptx
+++ b/WebAssembly Lightening Talk/webAssembly Talk v8.pptx
@@ -20,6 +20,7 @@
     <p:sldId id="268" r:id="rId15"/>
     <p:sldId id="269" r:id="rId16"/>
     <p:sldId id="270" r:id="rId17"/>
+    <p:sldId id="271" r:id="rId18"/>
   </p:sldIdLst>
   <p:sldSz cx="10080625" cy="5670550"/>
   <p:notesSz cx="7559675" cy="10691812"/>
@@ -1713,7 +1714,7 @@
           </a:bodyPr>
           <a:p>
             <a:pPr algn="r"/>
-            <a:fld id="{D69C1F48-D5E6-40D2-AA17-D288761440CE}" type="slidenum">
+            <a:fld id="{EF82B5BD-F4AF-4174-A472-34172B669907}" type="slidenum">
               <a:rPr b="0" lang="en-GB" sz="1400" spc="-1" strike="noStrike">
                 <a:latin typeface="Times New Roman"/>
               </a:rPr>
@@ -1822,394 +1823,7 @@
                 </a:solidFill>
                 <a:latin typeface="Arial"/>
               </a:rPr>
-              <a:t>W</a:t>
-            </a:r>
-            <a:r>
-              <a:rPr b="1" lang="en-GB" sz="3600" spc="-1" strike="noStrike">
-                <a:solidFill>
-                  <a:srgbClr val="ffffff"/>
-                </a:solidFill>
-                <a:latin typeface="Arial"/>
-              </a:rPr>
-              <a:t>a</a:t>
-            </a:r>
-            <a:r>
-              <a:rPr b="1" lang="en-GB" sz="3600" spc="-1" strike="noStrike">
-                <a:solidFill>
-                  <a:srgbClr val="ffffff"/>
-                </a:solidFill>
-                <a:latin typeface="Arial"/>
-              </a:rPr>
-              <a:t>y</a:t>
-            </a:r>
-            <a:r>
-              <a:rPr b="1" lang="en-GB" sz="3600" spc="-1" strike="noStrike">
-                <a:solidFill>
-                  <a:srgbClr val="ffffff"/>
-                </a:solidFill>
-                <a:latin typeface="Arial"/>
-              </a:rPr>
-              <a:t>s</a:t>
-            </a:r>
-            <a:r>
-              <a:rPr b="1" lang="en-GB" sz="3600" spc="-1" strike="noStrike">
-                <a:solidFill>
-                  <a:srgbClr val="ffffff"/>
-                </a:solidFill>
-                <a:latin typeface="Arial"/>
-              </a:rPr>
-              <a:t> </a:t>
-            </a:r>
-            <a:r>
-              <a:rPr b="1" lang="en-GB" sz="3600" spc="-1" strike="noStrike">
-                <a:solidFill>
-                  <a:srgbClr val="ffffff"/>
-                </a:solidFill>
-                <a:latin typeface="Arial"/>
-              </a:rPr>
-              <a:t>t</a:t>
-            </a:r>
-            <a:r>
-              <a:rPr b="1" lang="en-GB" sz="3600" spc="-1" strike="noStrike">
-                <a:solidFill>
-                  <a:srgbClr val="ffffff"/>
-                </a:solidFill>
-                <a:latin typeface="Arial"/>
-              </a:rPr>
-              <a:t>o</a:t>
-            </a:r>
-            <a:r>
-              <a:rPr b="1" lang="en-GB" sz="3600" spc="-1" strike="noStrike">
-                <a:solidFill>
-                  <a:srgbClr val="ffffff"/>
-                </a:solidFill>
-                <a:latin typeface="Arial"/>
-              </a:rPr>
-              <a:t> </a:t>
-            </a:r>
-            <a:r>
-              <a:rPr b="1" lang="en-GB" sz="3600" spc="-1" strike="noStrike">
-                <a:solidFill>
-                  <a:srgbClr val="ffffff"/>
-                </a:solidFill>
-                <a:latin typeface="Arial"/>
-              </a:rPr>
-              <a:t>p</a:t>
-            </a:r>
-            <a:r>
-              <a:rPr b="1" lang="en-GB" sz="3600" spc="-1" strike="noStrike">
-                <a:solidFill>
-                  <a:srgbClr val="ffffff"/>
-                </a:solidFill>
-                <a:latin typeface="Arial"/>
-              </a:rPr>
-              <a:t>u</a:t>
-            </a:r>
-            <a:r>
-              <a:rPr b="1" lang="en-GB" sz="3600" spc="-1" strike="noStrike">
-                <a:solidFill>
-                  <a:srgbClr val="ffffff"/>
-                </a:solidFill>
-                <a:latin typeface="Arial"/>
-              </a:rPr>
-              <a:t>t</a:t>
-            </a:r>
-            <a:r>
-              <a:rPr b="1" lang="en-GB" sz="3600" spc="-1" strike="noStrike">
-                <a:solidFill>
-                  <a:srgbClr val="ffffff"/>
-                </a:solidFill>
-                <a:latin typeface="Arial"/>
-              </a:rPr>
-              <a:t> </a:t>
-            </a:r>
-            <a:r>
-              <a:rPr b="1" lang="en-GB" sz="3600" spc="-1" strike="noStrike">
-                <a:solidFill>
-                  <a:srgbClr val="ffffff"/>
-                </a:solidFill>
-                <a:latin typeface="Arial"/>
-              </a:rPr>
-              <a:t>c</a:t>
-            </a:r>
-            <a:r>
-              <a:rPr b="1" lang="en-GB" sz="3600" spc="-1" strike="noStrike">
-                <a:solidFill>
-                  <a:srgbClr val="ffffff"/>
-                </a:solidFill>
-                <a:latin typeface="Arial"/>
-              </a:rPr>
-              <a:t>o</a:t>
-            </a:r>
-            <a:r>
-              <a:rPr b="1" lang="en-GB" sz="3600" spc="-1" strike="noStrike">
-                <a:solidFill>
-                  <a:srgbClr val="ffffff"/>
-                </a:solidFill>
-                <a:latin typeface="Arial"/>
-              </a:rPr>
-              <a:t>d</a:t>
-            </a:r>
-            <a:r>
-              <a:rPr b="1" lang="en-GB" sz="3600" spc="-1" strike="noStrike">
-                <a:solidFill>
-                  <a:srgbClr val="ffffff"/>
-                </a:solidFill>
-                <a:latin typeface="Arial"/>
-              </a:rPr>
-              <a:t>e</a:t>
-            </a:r>
-            <a:r>
-              <a:rPr b="1" lang="en-GB" sz="3600" spc="-1" strike="noStrike">
-                <a:solidFill>
-                  <a:srgbClr val="ffffff"/>
-                </a:solidFill>
-                <a:latin typeface="Arial"/>
-              </a:rPr>
-              <a:t> </a:t>
-            </a:r>
-            <a:r>
-              <a:rPr b="1" lang="en-GB" sz="3600" spc="-1" strike="noStrike">
-                <a:solidFill>
-                  <a:srgbClr val="ffffff"/>
-                </a:solidFill>
-                <a:latin typeface="Arial"/>
-              </a:rPr>
-              <a:t>i</a:t>
-            </a:r>
-            <a:r>
-              <a:rPr b="1" lang="en-GB" sz="3600" spc="-1" strike="noStrike">
-                <a:solidFill>
-                  <a:srgbClr val="ffffff"/>
-                </a:solidFill>
-                <a:latin typeface="Arial"/>
-              </a:rPr>
-              <a:t>n</a:t>
-            </a:r>
-            <a:r>
-              <a:rPr b="1" lang="en-GB" sz="3600" spc="-1" strike="noStrike">
-                <a:solidFill>
-                  <a:srgbClr val="ffffff"/>
-                </a:solidFill>
-                <a:latin typeface="Arial"/>
-              </a:rPr>
-              <a:t>t</a:t>
-            </a:r>
-            <a:r>
-              <a:rPr b="1" lang="en-GB" sz="3600" spc="-1" strike="noStrike">
-                <a:solidFill>
-                  <a:srgbClr val="ffffff"/>
-                </a:solidFill>
-                <a:latin typeface="Arial"/>
-              </a:rPr>
-              <a:t>o</a:t>
-            </a:r>
-            <a:r>
-              <a:rPr b="1" lang="en-GB" sz="3600" spc="-1" strike="noStrike">
-                <a:solidFill>
-                  <a:srgbClr val="ffffff"/>
-                </a:solidFill>
-                <a:latin typeface="Arial"/>
-              </a:rPr>
-              <a:t> </a:t>
-            </a:r>
-            <a:r>
-              <a:rPr b="1" lang="en-GB" sz="3600" spc="-1" strike="noStrike">
-                <a:solidFill>
-                  <a:srgbClr val="ffffff"/>
-                </a:solidFill>
-                <a:latin typeface="Arial"/>
-              </a:rPr>
-              <a:t>a</a:t>
-            </a:r>
-            <a:r>
-              <a:rPr b="1" lang="en-GB" sz="3600" spc="-1" strike="noStrike">
-                <a:solidFill>
-                  <a:srgbClr val="ffffff"/>
-                </a:solidFill>
-                <a:latin typeface="Arial"/>
-              </a:rPr>
-              <a:t>c</a:t>
-            </a:r>
-            <a:r>
-              <a:rPr b="1" lang="en-GB" sz="3600" spc="-1" strike="noStrike">
-                <a:solidFill>
-                  <a:srgbClr val="ffffff"/>
-                </a:solidFill>
-                <a:latin typeface="Arial"/>
-              </a:rPr>
-              <a:t>t</a:t>
-            </a:r>
-            <a:r>
-              <a:rPr b="1" lang="en-GB" sz="3600" spc="-1" strike="noStrike">
-                <a:solidFill>
-                  <a:srgbClr val="ffffff"/>
-                </a:solidFill>
-                <a:latin typeface="Arial"/>
-              </a:rPr>
-              <a:t>i</a:t>
-            </a:r>
-            <a:r>
-              <a:rPr b="1" lang="en-GB" sz="3600" spc="-1" strike="noStrike">
-                <a:solidFill>
-                  <a:srgbClr val="ffffff"/>
-                </a:solidFill>
-                <a:latin typeface="Arial"/>
-              </a:rPr>
-              <a:t>o</a:t>
-            </a:r>
-            <a:r>
-              <a:rPr b="1" lang="en-GB" sz="3600" spc="-1" strike="noStrike">
-                <a:solidFill>
-                  <a:srgbClr val="ffffff"/>
-                </a:solidFill>
-                <a:latin typeface="Arial"/>
-              </a:rPr>
-              <a:t>n</a:t>
-            </a:r>
-            <a:r>
-              <a:rPr b="1" lang="en-GB" sz="3600" spc="-1" strike="noStrike">
-                <a:solidFill>
-                  <a:srgbClr val="ffffff"/>
-                </a:solidFill>
-                <a:latin typeface="Arial"/>
-              </a:rPr>
-              <a:t>s</a:t>
-            </a:r>
-            <a:r>
-              <a:rPr b="1" lang="en-GB" sz="3600" spc="-1" strike="noStrike">
-                <a:solidFill>
-                  <a:srgbClr val="ffffff"/>
-                </a:solidFill>
-                <a:latin typeface="Arial"/>
-              </a:rPr>
-              <a:t> </a:t>
-            </a:r>
-            <a:r>
-              <a:rPr b="1" lang="en-GB" sz="3600" spc="-1" strike="noStrike">
-                <a:solidFill>
-                  <a:srgbClr val="ffffff"/>
-                </a:solidFill>
-                <a:latin typeface="Arial"/>
-              </a:rPr>
-              <a:t>(</a:t>
-            </a:r>
-            <a:r>
-              <a:rPr b="1" lang="en-GB" sz="3600" spc="-1" strike="noStrike">
-                <a:solidFill>
-                  <a:srgbClr val="ffffff"/>
-                </a:solidFill>
-                <a:latin typeface="Arial"/>
-              </a:rPr>
-              <a:t>i</a:t>
-            </a:r>
-            <a:r>
-              <a:rPr b="1" lang="en-GB" sz="3600" spc="-1" strike="noStrike">
-                <a:solidFill>
-                  <a:srgbClr val="ffffff"/>
-                </a:solidFill>
-                <a:latin typeface="Arial"/>
-              </a:rPr>
-              <a:t>n</a:t>
-            </a:r>
-            <a:r>
-              <a:rPr b="1" lang="en-GB" sz="3600" spc="-1" strike="noStrike">
-                <a:solidFill>
-                  <a:srgbClr val="ffffff"/>
-                </a:solidFill>
-                <a:latin typeface="Arial"/>
-              </a:rPr>
-              <a:t>s</a:t>
-            </a:r>
-            <a:r>
-              <a:rPr b="1" lang="en-GB" sz="3600" spc="-1" strike="noStrike">
-                <a:solidFill>
-                  <a:srgbClr val="ffffff"/>
-                </a:solidFill>
-                <a:latin typeface="Arial"/>
-              </a:rPr>
-              <a:t>t</a:t>
-            </a:r>
-            <a:r>
-              <a:rPr b="1" lang="en-GB" sz="3600" spc="-1" strike="noStrike">
-                <a:solidFill>
-                  <a:srgbClr val="ffffff"/>
-                </a:solidFill>
-                <a:latin typeface="Arial"/>
-              </a:rPr>
-              <a:t>r</a:t>
-            </a:r>
-            <a:r>
-              <a:rPr b="1" lang="en-GB" sz="3600" spc="-1" strike="noStrike">
-                <a:solidFill>
-                  <a:srgbClr val="ffffff"/>
-                </a:solidFill>
-                <a:latin typeface="Arial"/>
-              </a:rPr>
-              <a:t>u</a:t>
-            </a:r>
-            <a:r>
-              <a:rPr b="1" lang="en-GB" sz="3600" spc="-1" strike="noStrike">
-                <a:solidFill>
-                  <a:srgbClr val="ffffff"/>
-                </a:solidFill>
-                <a:latin typeface="Arial"/>
-              </a:rPr>
-              <a:t>c</a:t>
-            </a:r>
-            <a:r>
-              <a:rPr b="1" lang="en-GB" sz="3600" spc="-1" strike="noStrike">
-                <a:solidFill>
-                  <a:srgbClr val="ffffff"/>
-                </a:solidFill>
-                <a:latin typeface="Arial"/>
-              </a:rPr>
-              <a:t>t</a:t>
-            </a:r>
-            <a:r>
-              <a:rPr b="1" lang="en-GB" sz="3600" spc="-1" strike="noStrike">
-                <a:solidFill>
-                  <a:srgbClr val="ffffff"/>
-                </a:solidFill>
-                <a:latin typeface="Arial"/>
-              </a:rPr>
-              <a:t>i</a:t>
-            </a:r>
-            <a:r>
-              <a:rPr b="1" lang="en-GB" sz="3600" spc="-1" strike="noStrike">
-                <a:solidFill>
-                  <a:srgbClr val="ffffff"/>
-                </a:solidFill>
-                <a:latin typeface="Arial"/>
-              </a:rPr>
-              <a:t>o</a:t>
-            </a:r>
-            <a:r>
-              <a:rPr b="1" lang="en-GB" sz="3600" spc="-1" strike="noStrike">
-                <a:solidFill>
-                  <a:srgbClr val="ffffff"/>
-                </a:solidFill>
-                <a:latin typeface="Arial"/>
-              </a:rPr>
-              <a:t>n</a:t>
-            </a:r>
-            <a:r>
-              <a:rPr b="1" lang="en-GB" sz="3600" spc="-1" strike="noStrike">
-                <a:solidFill>
-                  <a:srgbClr val="ffffff"/>
-                </a:solidFill>
-                <a:latin typeface="Arial"/>
-              </a:rPr>
-              <a:t>s</a:t>
-            </a:r>
-            <a:r>
-              <a:rPr b="1" lang="en-GB" sz="3600" spc="-1" strike="noStrike">
-                <a:solidFill>
-                  <a:srgbClr val="ffffff"/>
-                </a:solidFill>
-                <a:latin typeface="Arial"/>
-              </a:rPr>
-              <a:t>)</a:t>
+              <a:t>Ways to put code into actions (instructions)</a:t>
             </a:r>
             <a:endParaRPr b="0" lang="en-GB" sz="3600" spc="-1" strike="noStrike">
               <a:latin typeface="Arial"/>
@@ -3989,6 +3603,329 @@
 </p:sld>
 </file>
 
+<file path=ppt/slides/slide16.xml><?xml version="1.0" encoding="utf-8"?>
+<p:sld xmlns:a="http://schemas.openxmlformats.org/drawingml/2006/main" xmlns:p="http://schemas.openxmlformats.org/presentationml/2006/main" xmlns:r="http://schemas.openxmlformats.org/officeDocument/2006/relationships" xmlns:p14="http://schemas.microsoft.com/office/powerpoint/2010/main" xmlns:p15="http://schemas.microsoft.com/office/powerpoint/2012/main" xmlns:mc="http://schemas.openxmlformats.org/markup-compatibility/2006">
+  <p:cSld>
+    <p:spTree>
+      <p:nvGrpSpPr>
+        <p:cNvPr id="1" name=""/>
+        <p:cNvGrpSpPr/>
+        <p:nvPr/>
+      </p:nvGrpSpPr>
+      <p:grpSpPr>
+        <a:xfrm>
+          <a:off x="0" y="0"/>
+          <a:ext cx="0" cy="0"/>
+          <a:chOff x="0" y="0"/>
+          <a:chExt cx="0" cy="0"/>
+        </a:xfrm>
+      </p:grpSpPr>
+      <p:pic>
+        <p:nvPicPr>
+          <p:cNvPr id="340" name="" descr=""/>
+          <p:cNvPicPr/>
+          <p:nvPr/>
+        </p:nvPicPr>
+        <p:blipFill>
+          <a:blip r:embed="rId1"/>
+          <a:stretch/>
+        </p:blipFill>
+        <p:spPr>
+          <a:xfrm>
+            <a:off x="4644000" y="4608000"/>
+            <a:ext cx="792000" cy="792000"/>
+          </a:xfrm>
+          <a:prstGeom prst="rect">
+            <a:avLst/>
+          </a:prstGeom>
+          <a:ln>
+            <a:noFill/>
+          </a:ln>
+        </p:spPr>
+      </p:pic>
+      <p:sp>
+        <p:nvSpPr>
+          <p:cNvPr id="341" name="CustomShape 1"/>
+          <p:cNvSpPr/>
+          <p:nvPr/>
+        </p:nvSpPr>
+        <p:spPr>
+          <a:xfrm>
+            <a:off x="0" y="0"/>
+            <a:ext cx="10080000" cy="792000"/>
+          </a:xfrm>
+          <a:prstGeom prst="rect">
+            <a:avLst/>
+          </a:prstGeom>
+          <a:solidFill>
+            <a:srgbClr val="684cf3"/>
+          </a:solidFill>
+          <a:ln>
+            <a:noFill/>
+          </a:ln>
+        </p:spPr>
+        <p:style>
+          <a:lnRef idx="0"/>
+          <a:fillRef idx="0"/>
+          <a:effectRef idx="0"/>
+          <a:fontRef idx="minor"/>
+        </p:style>
+      </p:sp>
+      <p:sp>
+        <p:nvSpPr>
+          <p:cNvPr id="342" name="TextShape 2"/>
+          <p:cNvSpPr txBox="1"/>
+          <p:nvPr/>
+        </p:nvSpPr>
+        <p:spPr>
+          <a:xfrm>
+            <a:off x="0" y="108000"/>
+            <a:ext cx="10080000" cy="684000"/>
+          </a:xfrm>
+          <a:prstGeom prst="rect">
+            <a:avLst/>
+          </a:prstGeom>
+          <a:noFill/>
+          <a:ln>
+            <a:noFill/>
+          </a:ln>
+        </p:spPr>
+        <p:txBody>
+          <a:bodyPr lIns="90000" rIns="90000" tIns="45000" bIns="45000">
+            <a:spAutoFit/>
+          </a:bodyPr>
+          <a:p>
+            <a:pPr algn="ctr"/>
+            <a:r>
+              <a:rPr b="1" lang="en-GB" sz="2800" spc="-1" strike="noStrike">
+                <a:solidFill>
+                  <a:srgbClr val="ffffff"/>
+                </a:solidFill>
+                <a:latin typeface="Arial"/>
+              </a:rPr>
+              <a:t>References</a:t>
+            </a:r>
+            <a:endParaRPr b="0" lang="en-GB" sz="2800" spc="-1" strike="noStrike">
+              <a:latin typeface="Arial"/>
+            </a:endParaRPr>
+          </a:p>
+        </p:txBody>
+      </p:sp>
+      <p:sp>
+        <p:nvSpPr>
+          <p:cNvPr id="343" name="TextShape 3"/>
+          <p:cNvSpPr txBox="1"/>
+          <p:nvPr/>
+        </p:nvSpPr>
+        <p:spPr>
+          <a:xfrm>
+            <a:off x="406800" y="1149840"/>
+            <a:ext cx="9457200" cy="3674160"/>
+          </a:xfrm>
+          <a:prstGeom prst="rect">
+            <a:avLst/>
+          </a:prstGeom>
+          <a:noFill/>
+          <a:ln>
+            <a:noFill/>
+          </a:ln>
+        </p:spPr>
+        <p:txBody>
+          <a:bodyPr lIns="90000" rIns="90000" tIns="45000" bIns="45000">
+            <a:spAutoFit/>
+          </a:bodyPr>
+          <a:p>
+            <a:r>
+              <a:rPr b="0" lang="en-GB" sz="1600" spc="-1" strike="noStrike">
+                <a:solidFill>
+                  <a:srgbClr val="000000"/>
+                </a:solidFill>
+                <a:latin typeface="Arial"/>
+              </a:rPr>
+              <a:t>https://hacks.mozilla.org/2017/02/a-cartoon-intro-to-webassembly/</a:t>
+            </a:r>
+            <a:endParaRPr b="0" lang="en-GB" sz="1600" spc="-1" strike="noStrike">
+              <a:solidFill>
+                <a:srgbClr val="000000"/>
+              </a:solidFill>
+              <a:latin typeface="Arial"/>
+            </a:endParaRPr>
+          </a:p>
+          <a:p>
+            <a:endParaRPr b="0" lang="en-GB" sz="1600" spc="-1" strike="noStrike">
+              <a:solidFill>
+                <a:srgbClr val="000000"/>
+              </a:solidFill>
+              <a:latin typeface="Arial"/>
+            </a:endParaRPr>
+          </a:p>
+          <a:p>
+            <a:r>
+              <a:rPr b="0" lang="en-GB" sz="1600" spc="-1" strike="noStrike">
+                <a:solidFill>
+                  <a:srgbClr val="000000"/>
+                </a:solidFill>
+                <a:latin typeface="Arial"/>
+              </a:rPr>
+              <a:t>https://developer.mozilla.org/en-US/docs/WebAssembly/Concepts</a:t>
+            </a:r>
+            <a:endParaRPr b="0" lang="en-GB" sz="1600" spc="-1" strike="noStrike">
+              <a:solidFill>
+                <a:srgbClr val="000000"/>
+              </a:solidFill>
+              <a:latin typeface="Arial"/>
+            </a:endParaRPr>
+          </a:p>
+          <a:p>
+            <a:r>
+              <a:rPr b="0" lang="en-GB" sz="1600" spc="-1" strike="noStrike">
+                <a:solidFill>
+                  <a:srgbClr val="000000"/>
+                </a:solidFill>
+                <a:latin typeface="Arial"/>
+              </a:rPr>
+              <a:t>    </a:t>
+            </a:r>
+            <a:endParaRPr b="0" lang="en-GB" sz="1600" spc="-1" strike="noStrike">
+              <a:solidFill>
+                <a:srgbClr val="000000"/>
+              </a:solidFill>
+              <a:latin typeface="Arial"/>
+            </a:endParaRPr>
+          </a:p>
+          <a:p>
+            <a:r>
+              <a:rPr b="0" lang="en-GB" sz="1600" spc="-1" strike="noStrike">
+                <a:solidFill>
+                  <a:srgbClr val="000000"/>
+                </a:solidFill>
+                <a:latin typeface="Arial"/>
+              </a:rPr>
+              <a:t>https://webassembly.org/</a:t>
+            </a:r>
+            <a:endParaRPr b="0" lang="en-GB" sz="1600" spc="-1" strike="noStrike">
+              <a:solidFill>
+                <a:srgbClr val="000000"/>
+              </a:solidFill>
+              <a:latin typeface="Arial"/>
+            </a:endParaRPr>
+          </a:p>
+          <a:p>
+            <a:endParaRPr b="0" lang="en-GB" sz="1600" spc="-1" strike="noStrike">
+              <a:solidFill>
+                <a:srgbClr val="000000"/>
+              </a:solidFill>
+              <a:latin typeface="Arial"/>
+            </a:endParaRPr>
+          </a:p>
+          <a:p>
+            <a:r>
+              <a:rPr b="0" lang="en-GB" sz="1600" spc="-1" strike="noStrike">
+                <a:solidFill>
+                  <a:srgbClr val="000000"/>
+                </a:solidFill>
+                <a:latin typeface="Arial"/>
+              </a:rPr>
+              <a:t>https://github.com/mbasso/awesome-wasm</a:t>
+            </a:r>
+            <a:endParaRPr b="0" lang="en-GB" sz="1600" spc="-1" strike="noStrike">
+              <a:solidFill>
+                <a:srgbClr val="000000"/>
+              </a:solidFill>
+              <a:latin typeface="Arial"/>
+            </a:endParaRPr>
+          </a:p>
+          <a:p>
+            <a:endParaRPr b="0" lang="en-GB" sz="1600" spc="-1" strike="noStrike">
+              <a:solidFill>
+                <a:srgbClr val="000000"/>
+              </a:solidFill>
+              <a:latin typeface="Arial"/>
+            </a:endParaRPr>
+          </a:p>
+          <a:p>
+            <a:r>
+              <a:rPr b="0" lang="en-GB" sz="1600" spc="-1" strike="noStrike">
+                <a:solidFill>
+                  <a:srgbClr val="000000"/>
+                </a:solidFill>
+                <a:latin typeface="Arial"/>
+              </a:rPr>
+              <a:t>https://github.com/robertaboukhalil/wasm-asteroids</a:t>
+            </a:r>
+            <a:endParaRPr b="0" lang="en-GB" sz="1600" spc="-1" strike="noStrike">
+              <a:solidFill>
+                <a:srgbClr val="000000"/>
+              </a:solidFill>
+              <a:latin typeface="Arial"/>
+            </a:endParaRPr>
+          </a:p>
+          <a:p>
+            <a:endParaRPr b="0" lang="en-GB" sz="1600" spc="-1" strike="noStrike">
+              <a:solidFill>
+                <a:srgbClr val="000000"/>
+              </a:solidFill>
+              <a:latin typeface="Arial"/>
+            </a:endParaRPr>
+          </a:p>
+          <a:p>
+            <a:r>
+              <a:rPr b="0" lang="en-GB" sz="1600" spc="-1" strike="noStrike">
+                <a:solidFill>
+                  <a:srgbClr val="000000"/>
+                </a:solidFill>
+                <a:latin typeface="Arial"/>
+                <a:hlinkClick r:id="rId2"/>
+              </a:rPr>
+              <a:t>https://opensource.com/article/19/4/command-line-playgrounds-webassembly</a:t>
+            </a:r>
+            <a:endParaRPr b="0" lang="en-GB" sz="1600" spc="-1" strike="noStrike">
+              <a:solidFill>
+                <a:srgbClr val="000000"/>
+              </a:solidFill>
+              <a:latin typeface="Arial"/>
+            </a:endParaRPr>
+          </a:p>
+          <a:p>
+            <a:endParaRPr b="0" lang="en-GB" sz="1600" spc="-1" strike="noStrike">
+              <a:solidFill>
+                <a:srgbClr val="000000"/>
+              </a:solidFill>
+              <a:latin typeface="Arial"/>
+            </a:endParaRPr>
+          </a:p>
+          <a:p>
+            <a:r>
+              <a:rPr b="0" lang="en-GB" sz="1600" spc="-1" strike="noStrike">
+                <a:solidFill>
+                  <a:srgbClr val="000000"/>
+                </a:solidFill>
+                <a:latin typeface="Arial"/>
+              </a:rPr>
+              <a:t>https://hacks.mozilla.org/2019/04/pyodide-bringing-the-scientific-python-stack-to-the-browser/</a:t>
+            </a:r>
+            <a:endParaRPr b="0" lang="en-GB" sz="1600" spc="-1" strike="noStrike">
+              <a:solidFill>
+                <a:srgbClr val="000000"/>
+              </a:solidFill>
+              <a:latin typeface="Arial"/>
+            </a:endParaRPr>
+          </a:p>
+        </p:txBody>
+      </p:sp>
+    </p:spTree>
+  </p:cSld>
+  <mc:AlternateContent>
+    <mc:Choice Requires="p14">
+      <p:transition spd="slow" p14:dur="2000"/>
+    </mc:Choice>
+    <mc:Fallback>
+      <p:transition spd="slow"/>
+    </mc:Fallback>
+  </mc:AlternateContent>
+</p:sld>
+</file>
+
 <file path=ppt/slides/slide2.xml><?xml version="1.0" encoding="utf-8"?>
 <p:sld xmlns:a="http://schemas.openxmlformats.org/drawingml/2006/main" xmlns:p="http://schemas.openxmlformats.org/presentationml/2006/main" xmlns:r="http://schemas.openxmlformats.org/officeDocument/2006/relationships" xmlns:p14="http://schemas.microsoft.com/office/powerpoint/2010/main" xmlns:p15="http://schemas.microsoft.com/office/powerpoint/2012/main" xmlns:mc="http://schemas.openxmlformats.org/markup-compatibility/2006">
   <p:cSld>
@@ -4865,7 +4802,7 @@
               </a:rPr>
               <a:t>Immediately </a:t>
             </a:r>
-            <a:endParaRPr b="1" lang="en-GB" sz="1600" spc="-1" strike="noStrike">
+            <a:endParaRPr b="0" lang="en-GB" sz="1600" spc="-1" strike="noStrike">
               <a:latin typeface="Arial"/>
             </a:endParaRPr>
           </a:p>
@@ -4877,13 +4814,13 @@
               </a:rPr>
               <a:t>runs</a:t>
             </a:r>
-            <a:endParaRPr b="1" lang="en-GB" sz="1600" spc="-1" strike="noStrike">
+            <a:endParaRPr b="0" lang="en-GB" sz="1600" spc="-1" strike="noStrike">
               <a:latin typeface="Arial"/>
             </a:endParaRPr>
           </a:p>
           <a:p>
             <a:pPr algn="ctr"/>
-            <a:endParaRPr b="1" lang="en-GB" sz="1600" spc="-1" strike="noStrike">
+            <a:endParaRPr b="0" lang="en-GB" sz="1600" spc="-1" strike="noStrike">
               <a:latin typeface="Arial"/>
             </a:endParaRPr>
           </a:p>
@@ -4895,7 +4832,7 @@
               </a:rPr>
               <a:t>Not so efficient; </a:t>
             </a:r>
-            <a:endParaRPr b="1" lang="en-GB" sz="1600" spc="-1" strike="noStrike">
+            <a:endParaRPr b="0" lang="en-GB" sz="1600" spc="-1" strike="noStrike">
               <a:latin typeface="Arial"/>
             </a:endParaRPr>
           </a:p>
@@ -4907,7 +4844,7 @@
               </a:rPr>
               <a:t>can run slow</a:t>
             </a:r>
-            <a:endParaRPr b="1" lang="en-GB" sz="1600" spc="-1" strike="noStrike">
+            <a:endParaRPr b="0" lang="en-GB" sz="1600" spc="-1" strike="noStrike">
               <a:latin typeface="Arial"/>
             </a:endParaRPr>
           </a:p>
@@ -5587,10 +5524,10 @@
               <a:pathLst>
                 <a:path w="3661" h="4706">
                   <a:moveTo>
-                    <a:pt x="216" y="0"/>
+                    <a:pt x="215" y="0"/>
                   </a:moveTo>
                   <a:cubicBezTo>
-                    <a:pt x="324" y="0"/>
+                    <a:pt x="323" y="0"/>
                     <a:pt x="3552" y="0"/>
                     <a:pt x="3552" y="0"/>
                   </a:cubicBezTo>
@@ -5613,7 +5550,7 @@
                     <a:pt x="108" y="2951"/>
                   </a:lnTo>
                   <a:lnTo>
-                    <a:pt x="216" y="3748"/>
+                    <a:pt x="215" y="3748"/>
                   </a:lnTo>
                   <a:lnTo>
                     <a:pt x="3660" y="3748"/>
@@ -5705,7 +5642,7 @@
               </a:rPr>
               <a:t>Immediately </a:t>
             </a:r>
-            <a:endParaRPr b="1" lang="en-GB" sz="1600" spc="-1" strike="noStrike">
+            <a:endParaRPr b="0" lang="en-GB" sz="1600" spc="-1" strike="noStrike">
               <a:latin typeface="Arial"/>
             </a:endParaRPr>
           </a:p>
@@ -5717,13 +5654,13 @@
               </a:rPr>
               <a:t>runs</a:t>
             </a:r>
-            <a:endParaRPr b="1" lang="en-GB" sz="1600" spc="-1" strike="noStrike">
+            <a:endParaRPr b="0" lang="en-GB" sz="1600" spc="-1" strike="noStrike">
               <a:latin typeface="Arial"/>
             </a:endParaRPr>
           </a:p>
           <a:p>
             <a:pPr algn="ctr"/>
-            <a:endParaRPr b="1" lang="en-GB" sz="1600" spc="-1" strike="noStrike">
+            <a:endParaRPr b="0" lang="en-GB" sz="1600" spc="-1" strike="noStrike">
               <a:latin typeface="Arial"/>
             </a:endParaRPr>
           </a:p>
@@ -5735,7 +5672,7 @@
               </a:rPr>
               <a:t>Not so efficient; </a:t>
             </a:r>
-            <a:endParaRPr b="1" lang="en-GB" sz="1600" spc="-1" strike="noStrike">
+            <a:endParaRPr b="0" lang="en-GB" sz="1600" spc="-1" strike="noStrike">
               <a:latin typeface="Arial"/>
             </a:endParaRPr>
           </a:p>
@@ -5747,7 +5684,7 @@
               </a:rPr>
               <a:t>can run slow</a:t>
             </a:r>
-            <a:endParaRPr b="1" lang="en-GB" sz="1600" spc="-1" strike="noStrike">
+            <a:endParaRPr b="0" lang="en-GB" sz="1600" spc="-1" strike="noStrike">
               <a:latin typeface="Arial"/>
             </a:endParaRPr>
           </a:p>
@@ -6427,10 +6364,10 @@
               <a:pathLst>
                 <a:path w="3661" h="4706">
                   <a:moveTo>
-                    <a:pt x="216" y="0"/>
+                    <a:pt x="215" y="0"/>
                   </a:moveTo>
                   <a:cubicBezTo>
-                    <a:pt x="324" y="0"/>
+                    <a:pt x="323" y="0"/>
                     <a:pt x="3552" y="0"/>
                     <a:pt x="3552" y="0"/>
                   </a:cubicBezTo>
@@ -6453,7 +6390,7 @@
                     <a:pt x="108" y="2951"/>
                   </a:lnTo>
                   <a:lnTo>
-                    <a:pt x="216" y="3748"/>
+                    <a:pt x="215" y="3748"/>
                   </a:lnTo>
                   <a:lnTo>
                     <a:pt x="3660" y="3748"/>
@@ -6545,7 +6482,7 @@
               </a:rPr>
               <a:t>Immediately </a:t>
             </a:r>
-            <a:endParaRPr b="1" lang="en-GB" sz="1600" spc="-1" strike="noStrike">
+            <a:endParaRPr b="0" lang="en-GB" sz="1600" spc="-1" strike="noStrike">
               <a:latin typeface="Arial"/>
             </a:endParaRPr>
           </a:p>
@@ -6557,13 +6494,13 @@
               </a:rPr>
               <a:t>runs</a:t>
             </a:r>
-            <a:endParaRPr b="1" lang="en-GB" sz="1600" spc="-1" strike="noStrike">
+            <a:endParaRPr b="0" lang="en-GB" sz="1600" spc="-1" strike="noStrike">
               <a:latin typeface="Arial"/>
             </a:endParaRPr>
           </a:p>
           <a:p>
             <a:pPr algn="ctr"/>
-            <a:endParaRPr b="1" lang="en-GB" sz="1600" spc="-1" strike="noStrike">
+            <a:endParaRPr b="0" lang="en-GB" sz="1600" spc="-1" strike="noStrike">
               <a:latin typeface="Arial"/>
             </a:endParaRPr>
           </a:p>
@@ -6575,7 +6512,7 @@
               </a:rPr>
               <a:t>Not so efficient; </a:t>
             </a:r>
-            <a:endParaRPr b="1" lang="en-GB" sz="1600" spc="-1" strike="noStrike">
+            <a:endParaRPr b="0" lang="en-GB" sz="1600" spc="-1" strike="noStrike">
               <a:latin typeface="Arial"/>
             </a:endParaRPr>
           </a:p>
@@ -6587,7 +6524,7 @@
               </a:rPr>
               <a:t>can run slow</a:t>
             </a:r>
-            <a:endParaRPr b="1" lang="en-GB" sz="1600" spc="-1" strike="noStrike">
+            <a:endParaRPr b="0" lang="en-GB" sz="1600" spc="-1" strike="noStrike">
               <a:latin typeface="Arial"/>
             </a:endParaRPr>
           </a:p>
@@ -6660,13 +6597,13 @@
               </a:rPr>
               <a:t>Delay before running</a:t>
             </a:r>
-            <a:endParaRPr b="1" lang="en-GB" sz="1600" spc="-1" strike="noStrike">
+            <a:endParaRPr b="0" lang="en-GB" sz="1600" spc="-1" strike="noStrike">
               <a:latin typeface="Arial"/>
             </a:endParaRPr>
           </a:p>
           <a:p>
             <a:pPr algn="ctr"/>
-            <a:endParaRPr b="1" lang="en-GB" sz="1600" spc="-1" strike="noStrike">
+            <a:endParaRPr b="0" lang="en-GB" sz="1600" spc="-1" strike="noStrike">
               <a:latin typeface="Arial"/>
             </a:endParaRPr>
           </a:p>
@@ -6678,7 +6615,7 @@
               </a:rPr>
               <a:t>Runs efficiently</a:t>
             </a:r>
-            <a:endParaRPr b="1" lang="en-GB" sz="1600" spc="-1" strike="noStrike">
+            <a:endParaRPr b="0" lang="en-GB" sz="1600" spc="-1" strike="noStrike">
               <a:latin typeface="Arial"/>
             </a:endParaRPr>
           </a:p>
@@ -7386,10 +7323,10 @@
               <a:pathLst>
                 <a:path w="3661" h="4706">
                   <a:moveTo>
-                    <a:pt x="216" y="0"/>
+                    <a:pt x="215" y="0"/>
                   </a:moveTo>
                   <a:cubicBezTo>
-                    <a:pt x="324" y="0"/>
+                    <a:pt x="323" y="0"/>
                     <a:pt x="3552" y="0"/>
                     <a:pt x="3552" y="0"/>
                   </a:cubicBezTo>
@@ -7412,7 +7349,7 @@
                     <a:pt x="108" y="2951"/>
                   </a:lnTo>
                   <a:lnTo>
-                    <a:pt x="216" y="3748"/>
+                    <a:pt x="215" y="3748"/>
                   </a:lnTo>
                   <a:lnTo>
                     <a:pt x="3660" y="3748"/>
@@ -7446,9 +7383,9 @@
         <p:grpSpPr>
           <a:xfrm>
             <a:off x="5499720" y="1270080"/>
-            <a:ext cx="1424880" cy="1753920"/>
+            <a:ext cx="1424520" cy="1753920"/>
             <a:chOff x="5499720" y="1270080"/>
-            <a:chExt cx="1424880" cy="1753920"/>
+            <a:chExt cx="1424520" cy="1753920"/>
           </a:xfrm>
         </p:grpSpPr>
         <p:sp>
@@ -7638,22 +7575,22 @@
               <a:pathLst>
                 <a:path w="3365" h="2399">
                   <a:moveTo>
-                    <a:pt x="3266" y="0"/>
+                    <a:pt x="3265" y="0"/>
                   </a:moveTo>
                   <a:lnTo>
-                    <a:pt x="3266" y="619"/>
+                    <a:pt x="3265" y="619"/>
                   </a:lnTo>
                   <a:lnTo>
                     <a:pt x="99" y="696"/>
                   </a:lnTo>
                   <a:lnTo>
-                    <a:pt x="198" y="1470"/>
-                  </a:lnTo>
-                  <a:lnTo>
-                    <a:pt x="3364" y="1470"/>
-                  </a:lnTo>
-                  <a:lnTo>
-                    <a:pt x="3266" y="2320"/>
+                    <a:pt x="198" y="1469"/>
+                  </a:lnTo>
+                  <a:lnTo>
+                    <a:pt x="3364" y="1469"/>
+                  </a:lnTo>
+                  <a:lnTo>
+                    <a:pt x="3265" y="2320"/>
                   </a:lnTo>
                   <a:lnTo>
                     <a:pt x="0" y="2398"/>
@@ -7680,7 +7617,7 @@
           <p:spPr>
             <a:xfrm>
               <a:off x="5499720" y="1270080"/>
-              <a:ext cx="1425240" cy="891360"/>
+              <a:ext cx="1424880" cy="891360"/>
             </a:xfrm>
             <a:custGeom>
               <a:avLst/>
@@ -7688,38 +7625,38 @@
               <a:ahLst/>
               <a:rect l="0" t="0" r="r" b="b"/>
               <a:pathLst>
-                <a:path w="3959" h="2476">
+                <a:path w="3958" h="2476">
                   <a:moveTo>
                     <a:pt x="0" y="2165"/>
                   </a:moveTo>
                   <a:cubicBezTo>
-                    <a:pt x="3562" y="2010"/>
+                    <a:pt x="3563" y="2011"/>
                     <a:pt x="3463" y="1856"/>
                     <a:pt x="3463" y="1856"/>
                   </a:cubicBezTo>
                   <a:lnTo>
-                    <a:pt x="3463" y="232"/>
-                  </a:lnTo>
-                  <a:lnTo>
-                    <a:pt x="396" y="231"/>
+                    <a:pt x="3464" y="231"/>
+                  </a:lnTo>
+                  <a:lnTo>
+                    <a:pt x="396" y="232"/>
                   </a:lnTo>
                   <a:lnTo>
                     <a:pt x="297" y="1314"/>
                   </a:lnTo>
                   <a:lnTo>
-                    <a:pt x="3859" y="1237"/>
-                  </a:lnTo>
-                  <a:lnTo>
-                    <a:pt x="3958" y="0"/>
+                    <a:pt x="3858" y="1237"/>
+                  </a:lnTo>
+                  <a:lnTo>
+                    <a:pt x="3957" y="0"/>
                   </a:lnTo>
                   <a:lnTo>
                     <a:pt x="0" y="0"/>
                   </a:lnTo>
                   <a:lnTo>
-                    <a:pt x="0" y="1856"/>
-                  </a:lnTo>
-                  <a:lnTo>
-                    <a:pt x="3463" y="2088"/>
+                    <a:pt x="0" y="1855"/>
+                  </a:lnTo>
+                  <a:lnTo>
+                    <a:pt x="3463" y="2087"/>
                   </a:lnTo>
                   <a:lnTo>
                     <a:pt x="3463" y="2475"/>
@@ -7892,7 +7829,7 @@
               </a:rPr>
               <a:t>Immediately </a:t>
             </a:r>
-            <a:endParaRPr b="1" lang="en-GB" sz="1600" spc="-1" strike="noStrike">
+            <a:endParaRPr b="0" lang="en-GB" sz="1600" spc="-1" strike="noStrike">
               <a:latin typeface="Arial"/>
             </a:endParaRPr>
           </a:p>
@@ -7904,13 +7841,13 @@
               </a:rPr>
               <a:t>runs</a:t>
             </a:r>
-            <a:endParaRPr b="1" lang="en-GB" sz="1600" spc="-1" strike="noStrike">
+            <a:endParaRPr b="0" lang="en-GB" sz="1600" spc="-1" strike="noStrike">
               <a:latin typeface="Arial"/>
             </a:endParaRPr>
           </a:p>
           <a:p>
             <a:pPr algn="ctr"/>
-            <a:endParaRPr b="1" lang="en-GB" sz="1600" spc="-1" strike="noStrike">
+            <a:endParaRPr b="0" lang="en-GB" sz="1600" spc="-1" strike="noStrike">
               <a:latin typeface="Arial"/>
             </a:endParaRPr>
           </a:p>
@@ -7922,7 +7859,7 @@
               </a:rPr>
               <a:t>Not so efficient; </a:t>
             </a:r>
-            <a:endParaRPr b="1" lang="en-GB" sz="1600" spc="-1" strike="noStrike">
+            <a:endParaRPr b="0" lang="en-GB" sz="1600" spc="-1" strike="noStrike">
               <a:latin typeface="Arial"/>
             </a:endParaRPr>
           </a:p>
@@ -7934,7 +7871,7 @@
               </a:rPr>
               <a:t>can run slow</a:t>
             </a:r>
-            <a:endParaRPr b="1" lang="en-GB" sz="1600" spc="-1" strike="noStrike">
+            <a:endParaRPr b="0" lang="en-GB" sz="1600" spc="-1" strike="noStrike">
               <a:latin typeface="Arial"/>
             </a:endParaRPr>
           </a:p>
@@ -8007,13 +7944,13 @@
               </a:rPr>
               <a:t>Delay before running</a:t>
             </a:r>
-            <a:endParaRPr b="1" lang="en-GB" sz="1600" spc="-1" strike="noStrike">
+            <a:endParaRPr b="0" lang="en-GB" sz="1600" spc="-1" strike="noStrike">
               <a:latin typeface="Arial"/>
             </a:endParaRPr>
           </a:p>
           <a:p>
             <a:pPr algn="ctr"/>
-            <a:endParaRPr b="1" lang="en-GB" sz="1600" spc="-1" strike="noStrike">
+            <a:endParaRPr b="0" lang="en-GB" sz="1600" spc="-1" strike="noStrike">
               <a:latin typeface="Arial"/>
             </a:endParaRPr>
           </a:p>
@@ -8025,7 +7962,7 @@
               </a:rPr>
               <a:t>Runs efficiently</a:t>
             </a:r>
-            <a:endParaRPr b="1" lang="en-GB" sz="1600" spc="-1" strike="noStrike">
+            <a:endParaRPr b="0" lang="en-GB" sz="1600" spc="-1" strike="noStrike">
               <a:latin typeface="Arial"/>
             </a:endParaRPr>
           </a:p>
@@ -8733,10 +8670,10 @@
               <a:pathLst>
                 <a:path w="3661" h="4706">
                   <a:moveTo>
-                    <a:pt x="216" y="0"/>
+                    <a:pt x="215" y="0"/>
                   </a:moveTo>
                   <a:cubicBezTo>
-                    <a:pt x="324" y="0"/>
+                    <a:pt x="323" y="0"/>
                     <a:pt x="3552" y="0"/>
                     <a:pt x="3552" y="0"/>
                   </a:cubicBezTo>
@@ -8759,7 +8696,7 @@
                     <a:pt x="108" y="2951"/>
                   </a:lnTo>
                   <a:lnTo>
-                    <a:pt x="216" y="3748"/>
+                    <a:pt x="215" y="3748"/>
                   </a:lnTo>
                   <a:lnTo>
                     <a:pt x="3660" y="3748"/>
@@ -8793,9 +8730,9 @@
         <p:grpSpPr>
           <a:xfrm>
             <a:off x="5499720" y="1270080"/>
-            <a:ext cx="1424880" cy="1753920"/>
+            <a:ext cx="1424520" cy="1753920"/>
             <a:chOff x="5499720" y="1270080"/>
-            <a:chExt cx="1424880" cy="1753920"/>
+            <a:chExt cx="1424520" cy="1753920"/>
           </a:xfrm>
         </p:grpSpPr>
         <p:sp>
@@ -8985,22 +8922,22 @@
               <a:pathLst>
                 <a:path w="3365" h="2399">
                   <a:moveTo>
-                    <a:pt x="3266" y="0"/>
+                    <a:pt x="3265" y="0"/>
                   </a:moveTo>
                   <a:lnTo>
-                    <a:pt x="3266" y="619"/>
+                    <a:pt x="3265" y="619"/>
                   </a:lnTo>
                   <a:lnTo>
                     <a:pt x="99" y="696"/>
                   </a:lnTo>
                   <a:lnTo>
-                    <a:pt x="198" y="1470"/>
-                  </a:lnTo>
-                  <a:lnTo>
-                    <a:pt x="3364" y="1470"/>
-                  </a:lnTo>
-                  <a:lnTo>
-                    <a:pt x="3266" y="2320"/>
+                    <a:pt x="198" y="1469"/>
+                  </a:lnTo>
+                  <a:lnTo>
+                    <a:pt x="3364" y="1469"/>
+                  </a:lnTo>
+                  <a:lnTo>
+                    <a:pt x="3265" y="2320"/>
                   </a:lnTo>
                   <a:lnTo>
                     <a:pt x="0" y="2398"/>
@@ -9027,7 +8964,7 @@
           <p:spPr>
             <a:xfrm>
               <a:off x="5499720" y="1270080"/>
-              <a:ext cx="1425240" cy="891360"/>
+              <a:ext cx="1424880" cy="891360"/>
             </a:xfrm>
             <a:custGeom>
               <a:avLst/>
@@ -9035,38 +8972,38 @@
               <a:ahLst/>
               <a:rect l="0" t="0" r="r" b="b"/>
               <a:pathLst>
-                <a:path w="3959" h="2476">
+                <a:path w="3958" h="2476">
                   <a:moveTo>
                     <a:pt x="0" y="2165"/>
                   </a:moveTo>
                   <a:cubicBezTo>
-                    <a:pt x="3562" y="2010"/>
+                    <a:pt x="3563" y="2011"/>
                     <a:pt x="3463" y="1856"/>
                     <a:pt x="3463" y="1856"/>
                   </a:cubicBezTo>
                   <a:lnTo>
-                    <a:pt x="3463" y="232"/>
-                  </a:lnTo>
-                  <a:lnTo>
-                    <a:pt x="396" y="231"/>
+                    <a:pt x="3464" y="231"/>
+                  </a:lnTo>
+                  <a:lnTo>
+                    <a:pt x="396" y="232"/>
                   </a:lnTo>
                   <a:lnTo>
                     <a:pt x="297" y="1314"/>
                   </a:lnTo>
                   <a:lnTo>
-                    <a:pt x="3859" y="1237"/>
-                  </a:lnTo>
-                  <a:lnTo>
-                    <a:pt x="3958" y="0"/>
+                    <a:pt x="3858" y="1237"/>
+                  </a:lnTo>
+                  <a:lnTo>
+                    <a:pt x="3957" y="0"/>
                   </a:lnTo>
                   <a:lnTo>
                     <a:pt x="0" y="0"/>
                   </a:lnTo>
                   <a:lnTo>
-                    <a:pt x="0" y="1856"/>
-                  </a:lnTo>
-                  <a:lnTo>
-                    <a:pt x="3463" y="2088"/>
+                    <a:pt x="0" y="1855"/>
+                  </a:lnTo>
+                  <a:lnTo>
+                    <a:pt x="3463" y="2087"/>
                   </a:lnTo>
                   <a:lnTo>
                     <a:pt x="3463" y="2475"/>
@@ -9239,7 +9176,7 @@
               </a:rPr>
               <a:t>Immediately </a:t>
             </a:r>
-            <a:endParaRPr b="1" lang="en-GB" sz="1600" spc="-1" strike="noStrike">
+            <a:endParaRPr b="0" lang="en-GB" sz="1600" spc="-1" strike="noStrike">
               <a:latin typeface="Arial"/>
             </a:endParaRPr>
           </a:p>
@@ -9251,13 +9188,13 @@
               </a:rPr>
               <a:t>runs</a:t>
             </a:r>
-            <a:endParaRPr b="1" lang="en-GB" sz="1600" spc="-1" strike="noStrike">
+            <a:endParaRPr b="0" lang="en-GB" sz="1600" spc="-1" strike="noStrike">
               <a:latin typeface="Arial"/>
             </a:endParaRPr>
           </a:p>
           <a:p>
             <a:pPr algn="ctr"/>
-            <a:endParaRPr b="1" lang="en-GB" sz="1600" spc="-1" strike="noStrike">
+            <a:endParaRPr b="0" lang="en-GB" sz="1600" spc="-1" strike="noStrike">
               <a:latin typeface="Arial"/>
             </a:endParaRPr>
           </a:p>
@@ -9269,7 +9206,7 @@
               </a:rPr>
               <a:t>Not so efficient; </a:t>
             </a:r>
-            <a:endParaRPr b="1" lang="en-GB" sz="1600" spc="-1" strike="noStrike">
+            <a:endParaRPr b="0" lang="en-GB" sz="1600" spc="-1" strike="noStrike">
               <a:latin typeface="Arial"/>
             </a:endParaRPr>
           </a:p>
@@ -9281,7 +9218,7 @@
               </a:rPr>
               <a:t>can run slow</a:t>
             </a:r>
-            <a:endParaRPr b="1" lang="en-GB" sz="1600" spc="-1" strike="noStrike">
+            <a:endParaRPr b="0" lang="en-GB" sz="1600" spc="-1" strike="noStrike">
               <a:latin typeface="Arial"/>
             </a:endParaRPr>
           </a:p>
@@ -9354,13 +9291,13 @@
               </a:rPr>
               <a:t>Delay before running</a:t>
             </a:r>
-            <a:endParaRPr b="1" lang="en-GB" sz="1600" spc="-1" strike="noStrike">
+            <a:endParaRPr b="0" lang="en-GB" sz="1600" spc="-1" strike="noStrike">
               <a:latin typeface="Arial"/>
             </a:endParaRPr>
           </a:p>
           <a:p>
             <a:pPr algn="ctr"/>
-            <a:endParaRPr b="1" lang="en-GB" sz="1600" spc="-1" strike="noStrike">
+            <a:endParaRPr b="0" lang="en-GB" sz="1600" spc="-1" strike="noStrike">
               <a:latin typeface="Arial"/>
             </a:endParaRPr>
           </a:p>
@@ -9372,7 +9309,7 @@
               </a:rPr>
               <a:t>Runs efficiently</a:t>
             </a:r>
-            <a:endParaRPr b="1" lang="en-GB" sz="1600" spc="-1" strike="noStrike">
+            <a:endParaRPr b="0" lang="en-GB" sz="1600" spc="-1" strike="noStrike">
               <a:latin typeface="Arial"/>
             </a:endParaRPr>
           </a:p>
@@ -9449,7 +9386,7 @@
               </a:rPr>
               <a:t>Immediately </a:t>
             </a:r>
-            <a:endParaRPr b="1" lang="en-GB" sz="1600" spc="-1" strike="noStrike">
+            <a:endParaRPr b="0" lang="en-GB" sz="1600" spc="-1" strike="noStrike">
               <a:latin typeface="Arial"/>
             </a:endParaRPr>
           </a:p>
@@ -9461,13 +9398,13 @@
               </a:rPr>
               <a:t>runs</a:t>
             </a:r>
-            <a:endParaRPr b="1" lang="en-GB" sz="1600" spc="-1" strike="noStrike">
+            <a:endParaRPr b="0" lang="en-GB" sz="1600" spc="-1" strike="noStrike">
               <a:latin typeface="Arial"/>
             </a:endParaRPr>
           </a:p>
           <a:p>
             <a:pPr algn="ctr"/>
-            <a:endParaRPr b="1" lang="en-GB" sz="1600" spc="-1" strike="noStrike">
+            <a:endParaRPr b="0" lang="en-GB" sz="1600" spc="-1" strike="noStrike">
               <a:latin typeface="Arial"/>
             </a:endParaRPr>
           </a:p>
@@ -9479,7 +9416,7 @@
               </a:rPr>
               <a:t>Runs very efficiently</a:t>
             </a:r>
-            <a:endParaRPr b="1" lang="en-GB" sz="1600" spc="-1" strike="noStrike">
+            <a:endParaRPr b="0" lang="en-GB" sz="1600" spc="-1" strike="noStrike">
               <a:latin typeface="Arial"/>
             </a:endParaRPr>
           </a:p>
@@ -9491,7 +9428,7 @@
               </a:rPr>
               <a:t>( all browsers 2008)</a:t>
             </a:r>
-            <a:endParaRPr b="1" lang="en-GB" sz="1600" spc="-1" strike="noStrike">
+            <a:endParaRPr b="0" lang="en-GB" sz="1600" spc="-1" strike="noStrike">
               <a:latin typeface="Arial"/>
             </a:endParaRPr>
           </a:p>
@@ -10227,10 +10164,10 @@
               <a:pathLst>
                 <a:path w="3661" h="4706">
                   <a:moveTo>
-                    <a:pt x="216" y="0"/>
+                    <a:pt x="215" y="0"/>
                   </a:moveTo>
                   <a:cubicBezTo>
-                    <a:pt x="324" y="0"/>
+                    <a:pt x="323" y="0"/>
                     <a:pt x="3552" y="0"/>
                     <a:pt x="3552" y="0"/>
                   </a:cubicBezTo>
@@ -10253,7 +10190,7 @@
                     <a:pt x="108" y="2951"/>
                   </a:lnTo>
                   <a:lnTo>
-                    <a:pt x="216" y="3748"/>
+                    <a:pt x="215" y="3748"/>
                   </a:lnTo>
                   <a:lnTo>
                     <a:pt x="3660" y="3748"/>
@@ -10287,9 +10224,9 @@
         <p:grpSpPr>
           <a:xfrm>
             <a:off x="5499720" y="1270080"/>
-            <a:ext cx="1424880" cy="1753920"/>
+            <a:ext cx="1424520" cy="1753920"/>
             <a:chOff x="5499720" y="1270080"/>
-            <a:chExt cx="1424880" cy="1753920"/>
+            <a:chExt cx="1424520" cy="1753920"/>
           </a:xfrm>
         </p:grpSpPr>
         <p:sp>
@@ -10479,22 +10416,22 @@
               <a:pathLst>
                 <a:path w="3365" h="2399">
                   <a:moveTo>
-                    <a:pt x="3266" y="0"/>
+                    <a:pt x="3265" y="0"/>
                   </a:moveTo>
                   <a:lnTo>
-                    <a:pt x="3266" y="619"/>
+                    <a:pt x="3265" y="619"/>
                   </a:lnTo>
                   <a:lnTo>
                     <a:pt x="99" y="696"/>
                   </a:lnTo>
                   <a:lnTo>
-                    <a:pt x="198" y="1470"/>
-                  </a:lnTo>
-                  <a:lnTo>
-                    <a:pt x="3364" y="1470"/>
-                  </a:lnTo>
-                  <a:lnTo>
-                    <a:pt x="3266" y="2320"/>
+                    <a:pt x="198" y="1469"/>
+                  </a:lnTo>
+                  <a:lnTo>
+                    <a:pt x="3364" y="1469"/>
+                  </a:lnTo>
+                  <a:lnTo>
+                    <a:pt x="3265" y="2320"/>
                   </a:lnTo>
                   <a:lnTo>
                     <a:pt x="0" y="2398"/>
@@ -10521,7 +10458,7 @@
           <p:spPr>
             <a:xfrm>
               <a:off x="5499720" y="1270080"/>
-              <a:ext cx="1425240" cy="891360"/>
+              <a:ext cx="1424880" cy="891360"/>
             </a:xfrm>
             <a:custGeom>
               <a:avLst/>
@@ -10529,38 +10466,38 @@
               <a:ahLst/>
               <a:rect l="0" t="0" r="r" b="b"/>
               <a:pathLst>
-                <a:path w="3959" h="2476">
+                <a:path w="3958" h="2476">
                   <a:moveTo>
                     <a:pt x="0" y="2165"/>
                   </a:moveTo>
                   <a:cubicBezTo>
-                    <a:pt x="3562" y="2010"/>
+                    <a:pt x="3563" y="2011"/>
                     <a:pt x="3463" y="1856"/>
                     <a:pt x="3463" y="1856"/>
                   </a:cubicBezTo>
                   <a:lnTo>
-                    <a:pt x="3463" y="232"/>
-                  </a:lnTo>
-                  <a:lnTo>
-                    <a:pt x="396" y="231"/>
+                    <a:pt x="3464" y="231"/>
+                  </a:lnTo>
+                  <a:lnTo>
+                    <a:pt x="396" y="232"/>
                   </a:lnTo>
                   <a:lnTo>
                     <a:pt x="297" y="1314"/>
                   </a:lnTo>
                   <a:lnTo>
-                    <a:pt x="3859" y="1237"/>
-                  </a:lnTo>
-                  <a:lnTo>
-                    <a:pt x="3958" y="0"/>
+                    <a:pt x="3858" y="1237"/>
+                  </a:lnTo>
+                  <a:lnTo>
+                    <a:pt x="3957" y="0"/>
                   </a:lnTo>
                   <a:lnTo>
                     <a:pt x="0" y="0"/>
                   </a:lnTo>
                   <a:lnTo>
-                    <a:pt x="0" y="1856"/>
-                  </a:lnTo>
-                  <a:lnTo>
-                    <a:pt x="3463" y="2088"/>
+                    <a:pt x="0" y="1855"/>
+                  </a:lnTo>
+                  <a:lnTo>
+                    <a:pt x="3463" y="2087"/>
                   </a:lnTo>
                   <a:lnTo>
                     <a:pt x="3463" y="2475"/>
@@ -10871,14 +10808,14 @@
                   </a:moveTo>
                   <a:cubicBezTo>
                     <a:pt x="3698" y="2079"/>
-                    <a:pt x="3595" y="1920"/>
-                    <a:pt x="3595" y="1920"/>
+                    <a:pt x="3595" y="1919"/>
+                    <a:pt x="3595" y="1919"/>
                   </a:cubicBezTo>
                   <a:lnTo>
-                    <a:pt x="3595" y="240"/>
-                  </a:lnTo>
-                  <a:lnTo>
-                    <a:pt x="411" y="240"/>
+                    <a:pt x="3595" y="241"/>
+                  </a:lnTo>
+                  <a:lnTo>
+                    <a:pt x="410" y="239"/>
                   </a:lnTo>
                   <a:lnTo>
                     <a:pt x="309" y="1359"/>
@@ -11066,7 +11003,7 @@
               </a:rPr>
               <a:t>Immediately </a:t>
             </a:r>
-            <a:endParaRPr b="1" lang="en-GB" sz="1600" spc="-1" strike="noStrike">
+            <a:endParaRPr b="0" lang="en-GB" sz="1600" spc="-1" strike="noStrike">
               <a:latin typeface="Arial"/>
             </a:endParaRPr>
           </a:p>
@@ -11078,13 +11015,13 @@
               </a:rPr>
               <a:t>runs</a:t>
             </a:r>
-            <a:endParaRPr b="1" lang="en-GB" sz="1600" spc="-1" strike="noStrike">
+            <a:endParaRPr b="0" lang="en-GB" sz="1600" spc="-1" strike="noStrike">
               <a:latin typeface="Arial"/>
             </a:endParaRPr>
           </a:p>
           <a:p>
             <a:pPr algn="ctr"/>
-            <a:endParaRPr b="1" lang="en-GB" sz="1600" spc="-1" strike="noStrike">
+            <a:endParaRPr b="0" lang="en-GB" sz="1600" spc="-1" strike="noStrike">
               <a:latin typeface="Arial"/>
             </a:endParaRPr>
           </a:p>
@@ -11096,7 +11033,7 @@
               </a:rPr>
               <a:t>Not so efficient; </a:t>
             </a:r>
-            <a:endParaRPr b="1" lang="en-GB" sz="1600" spc="-1" strike="noStrike">
+            <a:endParaRPr b="0" lang="en-GB" sz="1600" spc="-1" strike="noStrike">
               <a:latin typeface="Arial"/>
             </a:endParaRPr>
           </a:p>
@@ -11108,7 +11045,7 @@
               </a:rPr>
               <a:t>can run slow</a:t>
             </a:r>
-            <a:endParaRPr b="1" lang="en-GB" sz="1600" spc="-1" strike="noStrike">
+            <a:endParaRPr b="0" lang="en-GB" sz="1600" spc="-1" strike="noStrike">
               <a:latin typeface="Arial"/>
             </a:endParaRPr>
           </a:p>
@@ -11181,13 +11118,13 @@
               </a:rPr>
               <a:t>Delay before running</a:t>
             </a:r>
-            <a:endParaRPr b="1" lang="en-GB" sz="1600" spc="-1" strike="noStrike">
+            <a:endParaRPr b="0" lang="en-GB" sz="1600" spc="-1" strike="noStrike">
               <a:latin typeface="Arial"/>
             </a:endParaRPr>
           </a:p>
           <a:p>
             <a:pPr algn="ctr"/>
-            <a:endParaRPr b="1" lang="en-GB" sz="1600" spc="-1" strike="noStrike">
+            <a:endParaRPr b="0" lang="en-GB" sz="1600" spc="-1" strike="noStrike">
               <a:latin typeface="Arial"/>
             </a:endParaRPr>
           </a:p>
@@ -11199,7 +11136,7 @@
               </a:rPr>
               <a:t>Runs efficiently</a:t>
             </a:r>
-            <a:endParaRPr b="1" lang="en-GB" sz="1600" spc="-1" strike="noStrike">
+            <a:endParaRPr b="0" lang="en-GB" sz="1600" spc="-1" strike="noStrike">
               <a:latin typeface="Arial"/>
             </a:endParaRPr>
           </a:p>
@@ -11276,7 +11213,7 @@
               </a:rPr>
               <a:t>Immediately </a:t>
             </a:r>
-            <a:endParaRPr b="1" lang="en-GB" sz="1600" spc="-1" strike="noStrike">
+            <a:endParaRPr b="0" lang="en-GB" sz="1600" spc="-1" strike="noStrike">
               <a:latin typeface="Arial"/>
             </a:endParaRPr>
           </a:p>
@@ -11288,13 +11225,13 @@
               </a:rPr>
               <a:t>runs</a:t>
             </a:r>
-            <a:endParaRPr b="1" lang="en-GB" sz="1600" spc="-1" strike="noStrike">
+            <a:endParaRPr b="0" lang="en-GB" sz="1600" spc="-1" strike="noStrike">
               <a:latin typeface="Arial"/>
             </a:endParaRPr>
           </a:p>
           <a:p>
             <a:pPr algn="ctr"/>
-            <a:endParaRPr b="1" lang="en-GB" sz="1600" spc="-1" strike="noStrike">
+            <a:endParaRPr b="0" lang="en-GB" sz="1600" spc="-1" strike="noStrike">
               <a:latin typeface="Arial"/>
             </a:endParaRPr>
           </a:p>
@@ -11306,7 +11243,7 @@
               </a:rPr>
               <a:t>Runs very efficiently</a:t>
             </a:r>
-            <a:endParaRPr b="1" lang="en-GB" sz="1600" spc="-1" strike="noStrike">
+            <a:endParaRPr b="0" lang="en-GB" sz="1600" spc="-1" strike="noStrike">
               <a:latin typeface="Arial"/>
             </a:endParaRPr>
           </a:p>
@@ -11318,7 +11255,7 @@
               </a:rPr>
               <a:t>( all browsers 2008)</a:t>
             </a:r>
-            <a:endParaRPr b="1" lang="en-GB" sz="1600" spc="-1" strike="noStrike">
+            <a:endParaRPr b="0" lang="en-GB" sz="1600" spc="-1" strike="noStrike">
               <a:latin typeface="Arial"/>
             </a:endParaRPr>
           </a:p>
@@ -12136,10 +12073,10 @@
               <a:pathLst>
                 <a:path w="3661" h="4706">
                   <a:moveTo>
-                    <a:pt x="216" y="0"/>
+                    <a:pt x="215" y="0"/>
                   </a:moveTo>
                   <a:cubicBezTo>
-                    <a:pt x="324" y="0"/>
+                    <a:pt x="323" y="0"/>
                     <a:pt x="3552" y="0"/>
                     <a:pt x="3552" y="0"/>
                   </a:cubicBezTo>
@@ -12162,7 +12099,7 @@
                     <a:pt x="108" y="2951"/>
                   </a:lnTo>
                   <a:lnTo>
-                    <a:pt x="216" y="3748"/>
+                    <a:pt x="215" y="3748"/>
                   </a:lnTo>
                   <a:lnTo>
                     <a:pt x="3660" y="3748"/>
@@ -12196,9 +12133,9 @@
         <p:grpSpPr>
           <a:xfrm>
             <a:off x="5499720" y="1270080"/>
-            <a:ext cx="1424880" cy="1753920"/>
+            <a:ext cx="1424520" cy="1753920"/>
             <a:chOff x="5499720" y="1270080"/>
-            <a:chExt cx="1424880" cy="1753920"/>
+            <a:chExt cx="1424520" cy="1753920"/>
           </a:xfrm>
         </p:grpSpPr>
         <p:sp>
@@ -12388,22 +12325,22 @@
               <a:pathLst>
                 <a:path w="3365" h="2399">
                   <a:moveTo>
-                    <a:pt x="3266" y="0"/>
+                    <a:pt x="3265" y="0"/>
                   </a:moveTo>
                   <a:lnTo>
-                    <a:pt x="3266" y="619"/>
+                    <a:pt x="3265" y="619"/>
                   </a:lnTo>
                   <a:lnTo>
                     <a:pt x="99" y="696"/>
                   </a:lnTo>
                   <a:lnTo>
-                    <a:pt x="198" y="1470"/>
-                  </a:lnTo>
-                  <a:lnTo>
-                    <a:pt x="3364" y="1470"/>
-                  </a:lnTo>
-                  <a:lnTo>
-                    <a:pt x="3266" y="2320"/>
+                    <a:pt x="198" y="1469"/>
+                  </a:lnTo>
+                  <a:lnTo>
+                    <a:pt x="3364" y="1469"/>
+                  </a:lnTo>
+                  <a:lnTo>
+                    <a:pt x="3265" y="2320"/>
                   </a:lnTo>
                   <a:lnTo>
                     <a:pt x="0" y="2398"/>
@@ -12430,7 +12367,7 @@
           <p:spPr>
             <a:xfrm>
               <a:off x="5499720" y="1270080"/>
-              <a:ext cx="1425240" cy="891360"/>
+              <a:ext cx="1424880" cy="891360"/>
             </a:xfrm>
             <a:custGeom>
               <a:avLst/>
@@ -12438,38 +12375,38 @@
               <a:ahLst/>
               <a:rect l="0" t="0" r="r" b="b"/>
               <a:pathLst>
-                <a:path w="3959" h="2476">
+                <a:path w="3958" h="2476">
                   <a:moveTo>
                     <a:pt x="0" y="2165"/>
                   </a:moveTo>
                   <a:cubicBezTo>
-                    <a:pt x="3562" y="2010"/>
+                    <a:pt x="3563" y="2011"/>
                     <a:pt x="3463" y="1856"/>
                     <a:pt x="3463" y="1856"/>
                   </a:cubicBezTo>
                   <a:lnTo>
-                    <a:pt x="3463" y="232"/>
-                  </a:lnTo>
-                  <a:lnTo>
-                    <a:pt x="396" y="231"/>
+                    <a:pt x="3464" y="231"/>
+                  </a:lnTo>
+                  <a:lnTo>
+                    <a:pt x="396" y="232"/>
                   </a:lnTo>
                   <a:lnTo>
                     <a:pt x="297" y="1314"/>
                   </a:lnTo>
                   <a:lnTo>
-                    <a:pt x="3859" y="1237"/>
-                  </a:lnTo>
-                  <a:lnTo>
-                    <a:pt x="3958" y="0"/>
+                    <a:pt x="3858" y="1237"/>
+                  </a:lnTo>
+                  <a:lnTo>
+                    <a:pt x="3957" y="0"/>
                   </a:lnTo>
                   <a:lnTo>
                     <a:pt x="0" y="0"/>
                   </a:lnTo>
                   <a:lnTo>
-                    <a:pt x="0" y="1856"/>
-                  </a:lnTo>
-                  <a:lnTo>
-                    <a:pt x="3463" y="2088"/>
+                    <a:pt x="0" y="1855"/>
+                  </a:lnTo>
+                  <a:lnTo>
+                    <a:pt x="3463" y="2087"/>
                   </a:lnTo>
                   <a:lnTo>
                     <a:pt x="3463" y="2475"/>
@@ -12780,14 +12717,14 @@
                   </a:moveTo>
                   <a:cubicBezTo>
                     <a:pt x="3698" y="2079"/>
-                    <a:pt x="3595" y="1920"/>
-                    <a:pt x="3595" y="1920"/>
+                    <a:pt x="3595" y="1919"/>
+                    <a:pt x="3595" y="1919"/>
                   </a:cubicBezTo>
                   <a:lnTo>
-                    <a:pt x="3595" y="240"/>
-                  </a:lnTo>
-                  <a:lnTo>
-                    <a:pt x="411" y="240"/>
+                    <a:pt x="3595" y="241"/>
+                  </a:lnTo>
+                  <a:lnTo>
+                    <a:pt x="410" y="239"/>
                   </a:lnTo>
                   <a:lnTo>
                     <a:pt x="309" y="1359"/>
@@ -13096,7 +13033,7 @@
               </a:rPr>
               <a:t>Immediately </a:t>
             </a:r>
-            <a:endParaRPr b="1" lang="en-GB" sz="1600" spc="-1" strike="noStrike">
+            <a:endParaRPr b="0" lang="en-GB" sz="1600" spc="-1" strike="noStrike">
               <a:latin typeface="Arial"/>
             </a:endParaRPr>
           </a:p>
@@ -13108,13 +13045,13 @@
               </a:rPr>
               <a:t>runs</a:t>
             </a:r>
-            <a:endParaRPr b="1" lang="en-GB" sz="1600" spc="-1" strike="noStrike">
+            <a:endParaRPr b="0" lang="en-GB" sz="1600" spc="-1" strike="noStrike">
               <a:latin typeface="Arial"/>
             </a:endParaRPr>
           </a:p>
           <a:p>
             <a:pPr algn="ctr"/>
-            <a:endParaRPr b="1" lang="en-GB" sz="1600" spc="-1" strike="noStrike">
+            <a:endParaRPr b="0" lang="en-GB" sz="1600" spc="-1" strike="noStrike">
               <a:latin typeface="Arial"/>
             </a:endParaRPr>
           </a:p>
@@ -13126,7 +13063,7 @@
               </a:rPr>
               <a:t>Not so efficient; </a:t>
             </a:r>
-            <a:endParaRPr b="1" lang="en-GB" sz="1600" spc="-1" strike="noStrike">
+            <a:endParaRPr b="0" lang="en-GB" sz="1600" spc="-1" strike="noStrike">
               <a:latin typeface="Arial"/>
             </a:endParaRPr>
           </a:p>
@@ -13138,7 +13075,7 @@
               </a:rPr>
               <a:t>can run slow</a:t>
             </a:r>
-            <a:endParaRPr b="1" lang="en-GB" sz="1600" spc="-1" strike="noStrike">
+            <a:endParaRPr b="0" lang="en-GB" sz="1600" spc="-1" strike="noStrike">
               <a:latin typeface="Arial"/>
             </a:endParaRPr>
           </a:p>
@@ -13211,13 +13148,13 @@
               </a:rPr>
               <a:t>Delay before running</a:t>
             </a:r>
-            <a:endParaRPr b="1" lang="en-GB" sz="1600" spc="-1" strike="noStrike">
+            <a:endParaRPr b="0" lang="en-GB" sz="1600" spc="-1" strike="noStrike">
               <a:latin typeface="Arial"/>
             </a:endParaRPr>
           </a:p>
           <a:p>
             <a:pPr algn="ctr"/>
-            <a:endParaRPr b="1" lang="en-GB" sz="1600" spc="-1" strike="noStrike">
+            <a:endParaRPr b="0" lang="en-GB" sz="1600" spc="-1" strike="noStrike">
               <a:latin typeface="Arial"/>
             </a:endParaRPr>
           </a:p>
@@ -13229,7 +13166,7 @@
               </a:rPr>
               <a:t>Runs efficiently</a:t>
             </a:r>
-            <a:endParaRPr b="1" lang="en-GB" sz="1600" spc="-1" strike="noStrike">
+            <a:endParaRPr b="0" lang="en-GB" sz="1600" spc="-1" strike="noStrike">
               <a:latin typeface="Arial"/>
             </a:endParaRPr>
           </a:p>
@@ -13306,7 +13243,7 @@
               </a:rPr>
               <a:t>Immediately </a:t>
             </a:r>
-            <a:endParaRPr b="1" lang="en-GB" sz="1600" spc="-1" strike="noStrike">
+            <a:endParaRPr b="0" lang="en-GB" sz="1600" spc="-1" strike="noStrike">
               <a:latin typeface="Arial"/>
             </a:endParaRPr>
           </a:p>
@@ -13318,13 +13255,13 @@
               </a:rPr>
               <a:t>runs</a:t>
             </a:r>
-            <a:endParaRPr b="1" lang="en-GB" sz="1600" spc="-1" strike="noStrike">
+            <a:endParaRPr b="0" lang="en-GB" sz="1600" spc="-1" strike="noStrike">
               <a:latin typeface="Arial"/>
             </a:endParaRPr>
           </a:p>
           <a:p>
             <a:pPr algn="ctr"/>
-            <a:endParaRPr b="1" lang="en-GB" sz="1600" spc="-1" strike="noStrike">
+            <a:endParaRPr b="0" lang="en-GB" sz="1600" spc="-1" strike="noStrike">
               <a:latin typeface="Arial"/>
             </a:endParaRPr>
           </a:p>
@@ -13336,7 +13273,7 @@
               </a:rPr>
               <a:t>Runs very efficiently</a:t>
             </a:r>
-            <a:endParaRPr b="1" lang="en-GB" sz="1600" spc="-1" strike="noStrike">
+            <a:endParaRPr b="0" lang="en-GB" sz="1600" spc="-1" strike="noStrike">
               <a:latin typeface="Arial"/>
             </a:endParaRPr>
           </a:p>
@@ -13348,7 +13285,7 @@
               </a:rPr>
               <a:t>( all browsers 2008)</a:t>
             </a:r>
-            <a:endParaRPr b="1" lang="en-GB" sz="1600" spc="-1" strike="noStrike">
+            <a:endParaRPr b="0" lang="en-GB" sz="1600" spc="-1" strike="noStrike">
               <a:latin typeface="Arial"/>
             </a:endParaRPr>
           </a:p>
@@ -13385,7 +13322,7 @@
               </a:rPr>
               <a:t>Immediately </a:t>
             </a:r>
-            <a:endParaRPr b="1" lang="en-GB" sz="1600" spc="-1" strike="noStrike">
+            <a:endParaRPr b="0" lang="en-GB" sz="1600" spc="-1" strike="noStrike">
               <a:latin typeface="Arial"/>
             </a:endParaRPr>
           </a:p>
@@ -13397,7 +13334,7 @@
               </a:rPr>
               <a:t>runs highly efficiently</a:t>
             </a:r>
-            <a:endParaRPr b="1" lang="en-GB" sz="1600" spc="-1" strike="noStrike">
+            <a:endParaRPr b="0" lang="en-GB" sz="1600" spc="-1" strike="noStrike">
               <a:latin typeface="Arial"/>
             </a:endParaRPr>
           </a:p>
@@ -13409,7 +13346,7 @@
               </a:rPr>
               <a:t>(MVP 2017)</a:t>
             </a:r>
-            <a:endParaRPr b="1" lang="en-GB" sz="1600" spc="-1" strike="noStrike">
+            <a:endParaRPr b="0" lang="en-GB" sz="1600" spc="-1" strike="noStrike">
               <a:latin typeface="Arial"/>
             </a:endParaRPr>
           </a:p>
